--- a/Documentação/Status Report/2022-1/Status Report 4.pptx
+++ b/Documentação/Status Report/2022-1/Status Report 4.pptx
@@ -1205,7 +1205,7 @@
             <a:fld id="{C3CD65D1-5C11-455D-9F9A-0E035F00A0DA}" type="datetimeFigureOut">
               <a:rPr lang="pt-BR" smtClean="0"/>
               <a:pPr/>
-              <a:t>21/03/2022</a:t>
+              <a:t>06/04/2022</a:t>
             </a:fld>
             <a:endParaRPr lang="pt-BR"/>
           </a:p>
@@ -1373,7 +1373,7 @@
             <a:fld id="{A05DA3EF-18EA-43DE-B1BB-402A3C558822}" type="datetimeFigureOut">
               <a:rPr lang="pt-BR" smtClean="0"/>
               <a:pPr/>
-              <a:t>21/03/2022</a:t>
+              <a:t>06/04/2022</a:t>
             </a:fld>
             <a:endParaRPr lang="pt-BR"/>
           </a:p>
@@ -21728,7 +21728,7 @@
                 <a:latin typeface="Simplon Oi Headline"/>
                 <a:cs typeface="Simplon Oi Headline"/>
               </a:rPr>
-              <a:t>Sprint 1 - 01/02/2022 – 16/03/2022</a:t>
+              <a:t>Sprint 2 - 30/03/2022 – 06/04/2022</a:t>
             </a:r>
           </a:p>
         </p:txBody>
@@ -21866,7 +21866,7 @@
             <a:avLst/>
           </a:prstGeom>
           <a:solidFill>
-            <a:srgbClr val="00B050"/>
+            <a:srgbClr val="FFFF00"/>
           </a:solidFill>
           <a:ln w="12700">
             <a:solidFill>
@@ -22604,7 +22604,7 @@
                 <a:latin typeface="Calibri" panose="020F0502020204030204" pitchFamily="34" charset="0"/>
                 <a:cs typeface="Simplon BP Regular"/>
               </a:rPr>
-              <a:t>Protótipos de tela (sketches);</a:t>
+              <a:t>Desenvolvimento das 3 telas iniciais do app mobile </a:t>
             </a:r>
           </a:p>
           <a:p>
@@ -22624,7 +22624,7 @@
                 <a:latin typeface="Calibri" panose="020F0502020204030204" pitchFamily="34" charset="0"/>
                 <a:cs typeface="Simplon BP Regular"/>
               </a:rPr>
-              <a:t>Atualização do modelo lógico (Entidade  “Exemplar” foi adicionada ao DER)</a:t>
+              <a:t>Ajustes na sustentação web </a:t>
             </a:r>
           </a:p>
           <a:p>
@@ -22644,117 +22644,7 @@
                 <a:latin typeface="Calibri" panose="020F0502020204030204" pitchFamily="34" charset="0"/>
                 <a:cs typeface="Simplon BP Regular"/>
               </a:rPr>
-              <a:t>Jornada do usuário versão mobile (em HTI) </a:t>
-            </a:r>
-          </a:p>
-          <a:p>
-            <a:pPr marL="252049" indent="-252049" fontAlgn="base">
-              <a:spcBef>
-                <a:spcPct val="0"/>
-              </a:spcBef>
-              <a:buFont typeface="Wingdings" panose="05000000000000000000" pitchFamily="2" charset="2"/>
-              <a:buChar char="ü"/>
-              <a:defRPr/>
-            </a:pPr>
-            <a:r>
-              <a:rPr lang="pt-BR" sz="1323" b="1" dirty="0">
-                <a:solidFill>
-                  <a:schemeClr val="tx1"/>
-                </a:solidFill>
-                <a:latin typeface="Calibri" panose="020F0502020204030204" pitchFamily="34" charset="0"/>
-                <a:cs typeface="Simplon BP Regular"/>
-              </a:rPr>
-              <a:t>Montagem do mapa de persona (Administrador e Usuário);</a:t>
-            </a:r>
-          </a:p>
-          <a:p>
-            <a:pPr marL="252049" lvl="1" indent="-252049" fontAlgn="base">
-              <a:spcBef>
-                <a:spcPct val="0"/>
-              </a:spcBef>
-              <a:buFont typeface="Wingdings" panose="05000000000000000000" pitchFamily="2" charset="2"/>
-              <a:buChar char="ü"/>
-              <a:defRPr/>
-            </a:pPr>
-            <a:r>
-              <a:rPr lang="pt-BR" sz="1323" b="1" dirty="0" err="1">
-                <a:solidFill>
-                  <a:schemeClr val="tx1"/>
-                </a:solidFill>
-                <a:latin typeface="Calibri" panose="020F0502020204030204" pitchFamily="34" charset="0"/>
-                <a:cs typeface="Simplon BP Regular"/>
-              </a:rPr>
-              <a:t>Canvas</a:t>
-            </a:r>
-            <a:r>
-              <a:rPr lang="pt-BR" sz="1323" b="1" dirty="0">
-                <a:solidFill>
-                  <a:schemeClr val="tx1"/>
-                </a:solidFill>
-                <a:latin typeface="Calibri" panose="020F0502020204030204" pitchFamily="34" charset="0"/>
-                <a:cs typeface="Simplon BP Regular"/>
-              </a:rPr>
-              <a:t> de modelo de negócio</a:t>
-            </a:r>
-          </a:p>
-          <a:p>
-            <a:pPr marL="252049" lvl="1" indent="-252049" fontAlgn="base">
-              <a:spcBef>
-                <a:spcPct val="0"/>
-              </a:spcBef>
-              <a:buFont typeface="Wingdings" panose="05000000000000000000" pitchFamily="2" charset="2"/>
-              <a:buChar char="ü"/>
-              <a:defRPr/>
-            </a:pPr>
-            <a:r>
-              <a:rPr lang="pt-BR" sz="1320" b="1" dirty="0">
-                <a:solidFill>
-                  <a:schemeClr val="tx1"/>
-                </a:solidFill>
-                <a:latin typeface="Calibri" panose="020F0502020204030204" pitchFamily="34" charset="0"/>
-                <a:cs typeface="Simplon BP Regular"/>
-              </a:rPr>
-              <a:t>Feito o </a:t>
-            </a:r>
-            <a:r>
-              <a:rPr lang="pt-BR" sz="1320" b="1" dirty="0" err="1">
-                <a:solidFill>
-                  <a:schemeClr val="tx1"/>
-                </a:solidFill>
-                <a:latin typeface="Calibri" panose="020F0502020204030204" pitchFamily="34" charset="0"/>
-                <a:cs typeface="Simplon BP Regular"/>
-              </a:rPr>
-              <a:t>Personal</a:t>
-            </a:r>
-            <a:r>
-              <a:rPr lang="pt-BR" sz="1320" b="1" dirty="0">
-                <a:solidFill>
-                  <a:schemeClr val="tx1"/>
-                </a:solidFill>
-                <a:latin typeface="Calibri" panose="020F0502020204030204" pitchFamily="34" charset="0"/>
-                <a:cs typeface="Simplon BP Regular"/>
-              </a:rPr>
-              <a:t> </a:t>
-            </a:r>
-            <a:r>
-              <a:rPr lang="pt-BR" sz="1320" b="1" dirty="0" err="1">
-                <a:solidFill>
-                  <a:schemeClr val="tx1"/>
-                </a:solidFill>
-                <a:latin typeface="Calibri" panose="020F0502020204030204" pitchFamily="34" charset="0"/>
-                <a:cs typeface="Simplon BP Regular"/>
-              </a:rPr>
-              <a:t>Canvas</a:t>
-            </a:r>
-            <a:r>
-              <a:rPr lang="pt-BR" sz="1320" b="1" dirty="0">
-                <a:solidFill>
-                  <a:schemeClr val="tx1"/>
-                </a:solidFill>
-                <a:latin typeface="Calibri" panose="020F0502020204030204" pitchFamily="34" charset="0"/>
-                <a:cs typeface="Simplon BP Regular"/>
-              </a:rPr>
-              <a:t> do Administrador e do Aluno</a:t>
+              <a:t>Criação das instancias</a:t>
             </a:r>
           </a:p>
           <a:p>
@@ -22774,7 +22664,7 @@
                 <a:latin typeface="Calibri" panose="020F0502020204030204" pitchFamily="34" charset="0"/>
                 <a:cs typeface="Simplon BP Regular"/>
               </a:rPr>
-              <a:t>Terminado o PM </a:t>
+              <a:t>Iniciamos o desenvolvimento do </a:t>
             </a:r>
             <a:r>
               <a:rPr lang="pt-BR" sz="1320" b="1" dirty="0" err="1">
@@ -22784,34 +22674,7 @@
                 <a:latin typeface="Calibri" panose="020F0502020204030204" pitchFamily="34" charset="0"/>
                 <a:cs typeface="Simplon BP Regular"/>
               </a:rPr>
-              <a:t>Canvas</a:t>
-            </a:r>
-            <a:endParaRPr lang="pt-BR" sz="1320" b="1" dirty="0">
-              <a:solidFill>
-                <a:schemeClr val="tx1"/>
-              </a:solidFill>
-              <a:latin typeface="Calibri" panose="020F0502020204030204" pitchFamily="34" charset="0"/>
-              <a:cs typeface="Simplon BP Regular"/>
-            </a:endParaRPr>
-          </a:p>
-          <a:p>
-            <a:pPr marL="252049" indent="-252049" fontAlgn="base">
-              <a:spcBef>
-                <a:spcPct val="0"/>
-              </a:spcBef>
-              <a:buFont typeface="Wingdings" panose="05000000000000000000" pitchFamily="2" charset="2"/>
-              <a:buChar char="ü"/>
-              <a:defRPr/>
-            </a:pPr>
-            <a:r>
-              <a:rPr lang="pt-BR" sz="1320" b="1" dirty="0" err="1">
-                <a:solidFill>
-                  <a:schemeClr val="tx1"/>
-                </a:solidFill>
-                <a:latin typeface="Calibri" panose="020F0502020204030204" pitchFamily="34" charset="0"/>
-                <a:cs typeface="Simplon BP Regular"/>
-              </a:rPr>
-              <a:t>Planner</a:t>
+              <a:t>load</a:t>
             </a:r>
             <a:r>
               <a:rPr lang="pt-BR" sz="1320" b="1" dirty="0">
@@ -22821,7 +22684,7 @@
                 <a:latin typeface="Calibri" panose="020F0502020204030204" pitchFamily="34" charset="0"/>
                 <a:cs typeface="Simplon BP Regular"/>
               </a:rPr>
-              <a:t> atualizado</a:t>
+              <a:t> balance</a:t>
             </a:r>
           </a:p>
           <a:p>
@@ -22841,85 +22704,8 @@
                 <a:latin typeface="Calibri" panose="020F0502020204030204" pitchFamily="34" charset="0"/>
                 <a:cs typeface="Simplon BP Regular"/>
               </a:rPr>
-              <a:t>Organização interna das </a:t>
+              <a:t>Remanufaturação do fluxo de entrada e saída de livros </a:t>
             </a:r>
-            <a:r>
-              <a:rPr lang="pt-BR" sz="1320" b="1" dirty="0" err="1">
-                <a:solidFill>
-                  <a:schemeClr val="tx1"/>
-                </a:solidFill>
-                <a:latin typeface="Calibri" panose="020F0502020204030204" pitchFamily="34" charset="0"/>
-                <a:cs typeface="Simplon BP Regular"/>
-              </a:rPr>
-              <a:t>branchs</a:t>
-            </a:r>
-            <a:r>
-              <a:rPr lang="pt-BR" sz="1320" b="1" dirty="0">
-                <a:solidFill>
-                  <a:schemeClr val="tx1"/>
-                </a:solidFill>
-                <a:latin typeface="Calibri" panose="020F0502020204030204" pitchFamily="34" charset="0"/>
-                <a:cs typeface="Simplon BP Regular"/>
-              </a:rPr>
-              <a:t> do </a:t>
-            </a:r>
-            <a:r>
-              <a:rPr lang="pt-BR" sz="1320" b="1" dirty="0" err="1">
-                <a:solidFill>
-                  <a:schemeClr val="tx1"/>
-                </a:solidFill>
-                <a:latin typeface="Calibri" panose="020F0502020204030204" pitchFamily="34" charset="0"/>
-                <a:cs typeface="Simplon BP Regular"/>
-              </a:rPr>
-              <a:t>projeno</a:t>
-            </a:r>
-            <a:r>
-              <a:rPr lang="pt-BR" sz="1320" b="1" dirty="0">
-                <a:solidFill>
-                  <a:schemeClr val="tx1"/>
-                </a:solidFill>
-                <a:latin typeface="Calibri" panose="020F0502020204030204" pitchFamily="34" charset="0"/>
-                <a:cs typeface="Simplon BP Regular"/>
-              </a:rPr>
-              <a:t> no GitHub</a:t>
-            </a:r>
-          </a:p>
-          <a:p>
-            <a:pPr marL="252049" indent="-252049" fontAlgn="base">
-              <a:spcBef>
-                <a:spcPct val="0"/>
-              </a:spcBef>
-              <a:buFont typeface="Wingdings" panose="05000000000000000000" pitchFamily="2" charset="2"/>
-              <a:buChar char="ü"/>
-              <a:defRPr/>
-            </a:pPr>
-            <a:r>
-              <a:rPr lang="pt-BR" sz="1320" b="1" dirty="0">
-                <a:solidFill>
-                  <a:schemeClr val="tx1"/>
-                </a:solidFill>
-                <a:latin typeface="Calibri" panose="020F0502020204030204" pitchFamily="34" charset="0"/>
-                <a:cs typeface="Simplon BP Regular"/>
-              </a:rPr>
-              <a:t>Banco de dados terminado de acordo com a nova regra de negócio</a:t>
-            </a:r>
-          </a:p>
-          <a:p>
-            <a:pPr marL="252049" indent="-252049" fontAlgn="base">
-              <a:spcBef>
-                <a:spcPct val="0"/>
-              </a:spcBef>
-              <a:buFont typeface="Wingdings" panose="05000000000000000000" pitchFamily="2" charset="2"/>
-              <a:buChar char="ü"/>
-              <a:defRPr/>
-            </a:pPr>
-            <a:endParaRPr lang="pt-BR" sz="1320" b="1" dirty="0">
-              <a:solidFill>
-                <a:schemeClr val="tx1"/>
-              </a:solidFill>
-              <a:latin typeface="Calibri" panose="020F0502020204030204" pitchFamily="34" charset="0"/>
-              <a:cs typeface="Simplon BP Regular"/>
-            </a:endParaRPr>
           </a:p>
           <a:p>
             <a:pPr marL="252049" indent="-252049" fontAlgn="base">
@@ -23038,8 +22824,19 @@
                 <a:latin typeface="Calibri" panose="020F0502020204030204" pitchFamily="34" charset="0"/>
                 <a:cs typeface="Simplon BP Regular"/>
               </a:rPr>
-              <a:t>* Atraso das atividades delegadas aos integrantes.</a:t>
+              <a:t>Se atentar ao prazo de entrega  dos requisitos </a:t>
             </a:r>
+            <a:r>
+              <a:rPr lang="pt-BR" sz="1323" b="1">
+                <a:latin typeface="Calibri" panose="020F0502020204030204" pitchFamily="34" charset="0"/>
+                <a:cs typeface="Simplon BP Regular"/>
+              </a:rPr>
+              <a:t>do chola</a:t>
+            </a:r>
+            <a:endParaRPr lang="pt-BR" sz="1323" b="1" dirty="0">
+              <a:latin typeface="Calibri" panose="020F0502020204030204" pitchFamily="34" charset="0"/>
+              <a:cs typeface="Simplon BP Regular"/>
+            </a:endParaRPr>
           </a:p>
         </p:txBody>
       </p:sp>
@@ -23105,6 +22902,75 @@
             </a:r>
           </a:p>
           <a:p>
+            <a:pPr marL="285750" lvl="1" indent="-285750" defTabSz="672130">
+              <a:buFontTx/>
+              <a:buChar char="-"/>
+            </a:pPr>
+            <a:r>
+              <a:rPr lang="pt-BR" sz="1323" b="1" dirty="0">
+                <a:solidFill>
+                  <a:schemeClr val="tx1"/>
+                </a:solidFill>
+                <a:latin typeface="Calibri" panose="020F0502020204030204" pitchFamily="34" charset="0"/>
+                <a:cs typeface="Simplon BP Regular"/>
+              </a:rPr>
+              <a:t>Concluir o </a:t>
+            </a:r>
+            <a:r>
+              <a:rPr lang="pt-BR" sz="1323" b="1" dirty="0" err="1">
+                <a:solidFill>
+                  <a:schemeClr val="tx1"/>
+                </a:solidFill>
+                <a:latin typeface="Calibri" panose="020F0502020204030204" pitchFamily="34" charset="0"/>
+                <a:cs typeface="Simplon BP Regular"/>
+              </a:rPr>
+              <a:t>load</a:t>
+            </a:r>
+            <a:r>
+              <a:rPr lang="pt-BR" sz="1323" b="1" dirty="0">
+                <a:solidFill>
+                  <a:schemeClr val="tx1"/>
+                </a:solidFill>
+                <a:latin typeface="Calibri" panose="020F0502020204030204" pitchFamily="34" charset="0"/>
+                <a:cs typeface="Simplon BP Regular"/>
+              </a:rPr>
+              <a:t> balance</a:t>
+            </a:r>
+          </a:p>
+          <a:p>
+            <a:pPr marL="285750" lvl="1" indent="-285750" defTabSz="672130">
+              <a:buFontTx/>
+              <a:buChar char="-"/>
+            </a:pPr>
+            <a:r>
+              <a:rPr lang="pt-BR" sz="1323" b="1" dirty="0">
+                <a:solidFill>
+                  <a:schemeClr val="tx1"/>
+                </a:solidFill>
+                <a:latin typeface="Calibri" panose="020F0502020204030204" pitchFamily="34" charset="0"/>
+                <a:cs typeface="Simplon BP Regular"/>
+              </a:rPr>
+              <a:t>Fazer Deploy do front end na </a:t>
+            </a:r>
+            <a:r>
+              <a:rPr lang="pt-BR" sz="1323" b="1" dirty="0" err="1">
+                <a:solidFill>
+                  <a:schemeClr val="tx1"/>
+                </a:solidFill>
+                <a:latin typeface="Calibri" panose="020F0502020204030204" pitchFamily="34" charset="0"/>
+                <a:cs typeface="Simplon BP Regular"/>
+              </a:rPr>
+              <a:t>aws</a:t>
+            </a:r>
+            <a:endParaRPr lang="pt-BR" sz="1323" b="1" dirty="0">
+              <a:solidFill>
+                <a:schemeClr val="tx1"/>
+              </a:solidFill>
+              <a:latin typeface="Calibri" panose="020F0502020204030204" pitchFamily="34" charset="0"/>
+              <a:cs typeface="Simplon BP Regular"/>
+            </a:endParaRPr>
+          </a:p>
+          <a:p>
             <a:pPr marL="0" lvl="1" defTabSz="672130"/>
             <a:endParaRPr lang="pt-BR" sz="1323" b="1" dirty="0">
               <a:solidFill>
@@ -23145,7 +23011,10 @@
             </a:endParaRPr>
           </a:p>
           <a:p>
-            <a:pPr marL="0" lvl="1" defTabSz="672130"/>
+            <a:pPr marL="285750" lvl="1" indent="-285750" defTabSz="672130">
+              <a:buFontTx/>
+              <a:buChar char="-"/>
+            </a:pPr>
             <a:r>
               <a:rPr lang="pt-BR" sz="1323" b="1" dirty="0">
                 <a:solidFill>
@@ -23154,28 +23023,21 @@
                 <a:latin typeface="Calibri" panose="020F0502020204030204" pitchFamily="34" charset="0"/>
                 <a:cs typeface="Simplon BP Regular"/>
               </a:rPr>
-              <a:t>- Terminar as classes e </a:t>
+              <a:t>Criação de novos end-points para mobile </a:t>
             </a:r>
-            <a:r>
-              <a:rPr lang="pt-BR" sz="1323" b="1" dirty="0" err="1">
-                <a:solidFill>
-                  <a:schemeClr val="tx1"/>
-                </a:solidFill>
-                <a:latin typeface="Calibri" panose="020F0502020204030204" pitchFamily="34" charset="0"/>
-                <a:cs typeface="Simplon BP Regular"/>
-              </a:rPr>
-              <a:t>endpoints</a:t>
-            </a:r>
-            <a:r>
-              <a:rPr lang="pt-BR" sz="1323" b="1" dirty="0">
-                <a:solidFill>
-                  <a:schemeClr val="tx1"/>
-                </a:solidFill>
-                <a:latin typeface="Calibri" panose="020F0502020204030204" pitchFamily="34" charset="0"/>
-                <a:cs typeface="Simplon BP Regular"/>
-              </a:rPr>
-              <a:t> conforme a nova regra de negócio do banco de dados.</a:t>
-            </a:r>
+          </a:p>
+          <a:p>
+            <a:pPr marL="285750" lvl="1" indent="-285750" defTabSz="672130">
+              <a:buFontTx/>
+              <a:buChar char="-"/>
+            </a:pPr>
+            <a:endParaRPr lang="pt-BR" sz="1323" b="1" dirty="0">
+              <a:solidFill>
+                <a:schemeClr val="tx1"/>
+              </a:solidFill>
+              <a:latin typeface="Calibri" panose="020F0502020204030204" pitchFamily="34" charset="0"/>
+              <a:cs typeface="Simplon BP Regular"/>
+            </a:endParaRPr>
           </a:p>
           <a:p>
             <a:pPr marL="0" lvl="1" defTabSz="672130"/>
@@ -23197,25 +23059,8 @@
                 <a:latin typeface="Calibri" panose="020F0502020204030204" pitchFamily="34" charset="0"/>
                 <a:cs typeface="Simplon BP Regular"/>
               </a:rPr>
-              <a:t>Frente Front </a:t>
+              <a:t>Frente Front end</a:t>
             </a:r>
-            <a:r>
-              <a:rPr lang="pt-BR" sz="1323" b="1" dirty="0" err="1">
-                <a:solidFill>
-                  <a:schemeClr val="tx1"/>
-                </a:solidFill>
-                <a:latin typeface="Calibri" panose="020F0502020204030204" pitchFamily="34" charset="0"/>
-                <a:cs typeface="Simplon BP Regular"/>
-              </a:rPr>
-              <a:t>end</a:t>
-            </a:r>
-            <a:endParaRPr lang="pt-BR" sz="1323" b="1" dirty="0">
-              <a:solidFill>
-                <a:schemeClr val="tx1"/>
-              </a:solidFill>
-              <a:latin typeface="Calibri" panose="020F0502020204030204" pitchFamily="34" charset="0"/>
-              <a:cs typeface="Simplon BP Regular"/>
-            </a:endParaRPr>
           </a:p>
           <a:p>
             <a:pPr marL="0" lvl="1" defTabSz="672130"/>
@@ -23227,18 +23072,11 @@
                 <a:latin typeface="Calibri" panose="020F0502020204030204" pitchFamily="34" charset="0"/>
                 <a:cs typeface="Simplon BP Regular"/>
               </a:rPr>
-              <a:t>- Começar o desenvolvimento da aplicação mobile em </a:t>
+              <a:t>- Terminar as telas principais do projeto </a:t>
             </a:r>
-            <a:r>
-              <a:rPr lang="pt-BR" sz="1323" b="1" dirty="0" err="1">
-                <a:solidFill>
-                  <a:schemeClr val="tx1"/>
-                </a:solidFill>
-                <a:latin typeface="Calibri" panose="020F0502020204030204" pitchFamily="34" charset="0"/>
-                <a:cs typeface="Simplon BP Regular"/>
-              </a:rPr>
-              <a:t>Kotlin</a:t>
-            </a:r>
+          </a:p>
+          <a:p>
+            <a:pPr marL="0" lvl="1" defTabSz="672130"/>
             <a:r>
               <a:rPr lang="pt-BR" sz="1323" b="1" dirty="0">
                 <a:solidFill>
@@ -23247,11 +23085,30 @@
                 <a:latin typeface="Calibri" panose="020F0502020204030204" pitchFamily="34" charset="0"/>
                 <a:cs typeface="Simplon BP Regular"/>
               </a:rPr>
-              <a:t> de acordo com o design.</a:t>
+              <a:t>- Terminar os ajustes na aplicação web</a:t>
             </a:r>
           </a:p>
           <a:p>
-            <a:pPr marL="0" lvl="1" defTabSz="672130"/>
+            <a:pPr marL="285750" lvl="1" indent="-285750" defTabSz="672130">
+              <a:buFontTx/>
+              <a:buChar char="-"/>
+            </a:pPr>
+            <a:r>
+              <a:rPr lang="pt-BR" sz="1323" b="1" dirty="0">
+                <a:solidFill>
+                  <a:schemeClr val="tx1"/>
+                </a:solidFill>
+                <a:latin typeface="Calibri" panose="020F0502020204030204" pitchFamily="34" charset="0"/>
+                <a:cs typeface="Simplon BP Regular"/>
+              </a:rPr>
+              <a:t>Começar a integração</a:t>
+            </a:r>
+          </a:p>
+          <a:p>
+            <a:pPr marL="285750" lvl="1" indent="-285750" defTabSz="672130">
+              <a:buFontTx/>
+              <a:buChar char="-"/>
+            </a:pPr>
             <a:endParaRPr lang="pt-BR" sz="1600" b="1" dirty="0">
               <a:solidFill>
                 <a:schemeClr val="tx1"/>
@@ -25544,15 +25401,6 @@
 </file>
 
 <file path=customXml/item2.xml><?xml version="1.0" encoding="utf-8"?>
-<?mso-contentType ?>
-<FormTemplates xmlns="http://schemas.microsoft.com/sharepoint/v3/contenttype/forms">
-  <Display>DocumentLibraryForm</Display>
-  <Edit>DocumentLibraryForm</Edit>
-  <New>DocumentLibraryForm</New>
-</FormTemplates>
-</file>
-
-<file path=customXml/item3.xml><?xml version="1.0" encoding="utf-8"?>
 <p:properties xmlns:p="http://schemas.microsoft.com/office/2006/metadata/properties" xmlns:xsi="http://www.w3.org/2001/XMLSchema-instance" xmlns:pc="http://schemas.microsoft.com/office/infopath/2007/PartnerControls">
   <documentManagement>
     <Is_Collaboration_Space_Locked xmlns="bbcd8c33-6940-4d4c-a587-bbc736ca1e4d" xsi:nil="true"/>
@@ -25604,6 +25452,15 @@
 </p:properties>
 </file>
 
+<file path=customXml/item3.xml><?xml version="1.0" encoding="utf-8"?>
+<?mso-contentType ?>
+<FormTemplates xmlns="http://schemas.microsoft.com/sharepoint/v3/contenttype/forms">
+  <Display>DocumentLibraryForm</Display>
+  <Edit>DocumentLibraryForm</Edit>
+  <New>DocumentLibraryForm</New>
+</FormTemplates>
+</file>
+
 <file path=customXml/itemProps1.xml><?xml version="1.0" encoding="utf-8"?>
 <ds:datastoreItem xmlns:ds="http://schemas.openxmlformats.org/officeDocument/2006/customXml" ds:itemID="{3BE6CAF6-1F55-4A70-B10C-21633F74987A}">
   <ds:schemaRefs>
@@ -25624,14 +25481,6 @@
 </file>
 
 <file path=customXml/itemProps2.xml><?xml version="1.0" encoding="utf-8"?>
-<ds:datastoreItem xmlns:ds="http://schemas.openxmlformats.org/officeDocument/2006/customXml" ds:itemID="{E2481852-F24E-4532-AF30-C154D705D105}">
-  <ds:schemaRefs>
-    <ds:schemaRef ds:uri="http://schemas.microsoft.com/sharepoint/v3/contenttype/forms"/>
-  </ds:schemaRefs>
-</ds:datastoreItem>
-</file>
-
-<file path=customXml/itemProps3.xml><?xml version="1.0" encoding="utf-8"?>
 <ds:datastoreItem xmlns:ds="http://schemas.openxmlformats.org/officeDocument/2006/customXml" ds:itemID="{4B31267F-D399-4A8A-87F8-B75F56828412}">
   <ds:schemaRefs>
     <ds:schemaRef ds:uri="http://www.w3.org/XML/1998/namespace"/>
@@ -25646,4 +25495,12 @@
     <ds:schemaRef ds:uri="http://purl.org/dc/terms/"/>
   </ds:schemaRefs>
 </ds:datastoreItem>
+</file>
+
+<file path=customXml/itemProps3.xml><?xml version="1.0" encoding="utf-8"?>
+<ds:datastoreItem xmlns:ds="http://schemas.openxmlformats.org/officeDocument/2006/customXml" ds:itemID="{E2481852-F24E-4532-AF30-C154D705D105}">
+  <ds:schemaRefs>
+    <ds:schemaRef ds:uri="http://schemas.microsoft.com/sharepoint/v3/contenttype/forms"/>
+  </ds:schemaRefs>
+</ds:datastoreItem>
 </file>